--- a/Diagnostics/local/Linear_theory/mass25/eaw.pptx
+++ b/Diagnostics/local/Linear_theory/mass25/eaw.pptx
@@ -2,7 +2,7 @@
 <file path=ppt/presentation.xml><?xml version="1.0" encoding="utf-8"?>
 <p:presentation xmlns:a="http://schemas.openxmlformats.org/drawingml/2006/main" xmlns:r="http://schemas.openxmlformats.org/officeDocument/2006/relationships" xmlns:p="http://schemas.openxmlformats.org/presentationml/2006/main" saveSubsetFonts="1" autoCompressPictures="0">
   <p:sldMasterIdLst>
-    <p:sldMasterId id="2147483660" r:id="rId1"/>
+    <p:sldMasterId id="2147483684" r:id="rId1"/>
   </p:sldMasterIdLst>
   <p:notesMasterIdLst>
     <p:notesMasterId r:id="rId3"/>
@@ -10,7 +10,7 @@
   <p:sldIdLst>
     <p:sldId id="256" r:id="rId2"/>
   </p:sldIdLst>
-  <p:sldSz cx="10972800" cy="4389438"/>
+  <p:sldSz cx="11430000" cy="4389438"/>
   <p:notesSz cx="6858000" cy="9144000"/>
   <p:defaultTextStyle>
     <a:defPPr>
@@ -107,6 +107,11 @@
       </a:defRPr>
     </a:lvl9pPr>
   </p:defaultTextStyle>
+  <p:extLst>
+    <p:ext uri="{EFAFB233-063F-42B5-8137-9DF3F51BA10A}">
+      <p15:sldGuideLst xmlns:p15="http://schemas.microsoft.com/office/powerpoint/2012/main"/>
+    </p:ext>
+  </p:extLst>
 </p:presentation>
 </file>
 
@@ -192,7 +197,7 @@
           <a:p>
             <a:fld id="{B5855101-A986-924B-A0D2-76E00F61DEAC}" type="datetimeFigureOut">
               <a:rPr lang="en-US" smtClean="0"/>
-              <a:t>6/11/23</a:t>
+              <a:t>6/30/2023</a:t>
             </a:fld>
             <a:endParaRPr lang="en-US"/>
           </a:p>
@@ -210,8 +215,8 @@
         </p:nvSpPr>
         <p:spPr>
           <a:xfrm>
-            <a:off x="-427038" y="1143000"/>
-            <a:ext cx="7712076" cy="3086100"/>
+            <a:off x="-588963" y="1143000"/>
+            <a:ext cx="8035926" cy="3086100"/>
           </a:xfrm>
           <a:prstGeom prst="rect">
             <a:avLst/>
@@ -486,7 +491,12 @@
             <p:ph type="sldImg"/>
           </p:nvPr>
         </p:nvSpPr>
-        <p:spPr/>
+        <p:spPr>
+          <a:xfrm>
+            <a:off x="-588963" y="1143000"/>
+            <a:ext cx="8035926" cy="3086100"/>
+          </a:xfrm>
+        </p:spPr>
       </p:sp>
       <p:sp>
         <p:nvSpPr>
@@ -572,8 +582,8 @@
         </p:nvSpPr>
         <p:spPr>
           <a:xfrm>
-            <a:off x="1371600" y="718364"/>
-            <a:ext cx="8229600" cy="1528175"/>
+            <a:off x="1428750" y="718364"/>
+            <a:ext cx="8572500" cy="1528175"/>
           </a:xfrm>
         </p:spPr>
         <p:txBody>
@@ -604,8 +614,8 @@
         </p:nvSpPr>
         <p:spPr>
           <a:xfrm>
-            <a:off x="1371600" y="2305472"/>
-            <a:ext cx="8229600" cy="1059764"/>
+            <a:off x="1428750" y="2305472"/>
+            <a:ext cx="8572500" cy="1059764"/>
           </a:xfrm>
         </p:spPr>
         <p:txBody>
@@ -674,7 +684,7 @@
           <a:p>
             <a:fld id="{08E3737C-EF3D-7749-A384-D09AC4EB8811}" type="datetimeFigureOut">
               <a:rPr lang="en-US" smtClean="0"/>
-              <a:t>6/11/23</a:t>
+              <a:t>6/30/2023</a:t>
             </a:fld>
             <a:endParaRPr lang="en-US"/>
           </a:p>
@@ -725,7 +735,7 @@
     </p:spTree>
     <p:extLst>
       <p:ext uri="{BB962C8B-B14F-4D97-AF65-F5344CB8AC3E}">
-        <p14:creationId xmlns:p14="http://schemas.microsoft.com/office/powerpoint/2010/main" val="2944495250"/>
+        <p14:creationId xmlns:p14="http://schemas.microsoft.com/office/powerpoint/2010/main" val="91177836"/>
       </p:ext>
     </p:extLst>
   </p:cSld>
@@ -793,7 +803,7 @@
             <a:pPr lvl="0"/>
             <a:r>
               <a:rPr lang="en-US"/>
-              <a:t>Click to edit Master text styles</a:t>
+              <a:t>Edit Master text styles</a:t>
             </a:r>
           </a:p>
           <a:p>
@@ -844,7 +854,7 @@
           <a:p>
             <a:fld id="{08E3737C-EF3D-7749-A384-D09AC4EB8811}" type="datetimeFigureOut">
               <a:rPr lang="en-US" smtClean="0"/>
-              <a:t>6/11/23</a:t>
+              <a:t>6/30/2023</a:t>
             </a:fld>
             <a:endParaRPr lang="en-US"/>
           </a:p>
@@ -895,7 +905,7 @@
     </p:spTree>
     <p:extLst>
       <p:ext uri="{BB962C8B-B14F-4D97-AF65-F5344CB8AC3E}">
-        <p14:creationId xmlns:p14="http://schemas.microsoft.com/office/powerpoint/2010/main" val="3030029853"/>
+        <p14:creationId xmlns:p14="http://schemas.microsoft.com/office/powerpoint/2010/main" val="1859716218"/>
       </p:ext>
     </p:extLst>
   </p:cSld>
@@ -934,8 +944,8 @@
         </p:nvSpPr>
         <p:spPr>
           <a:xfrm>
-            <a:off x="7852410" y="233697"/>
-            <a:ext cx="2366010" cy="3719846"/>
+            <a:off x="8179594" y="233697"/>
+            <a:ext cx="2464594" cy="3719846"/>
           </a:xfrm>
         </p:spPr>
         <p:txBody>
@@ -962,8 +972,8 @@
         </p:nvSpPr>
         <p:spPr>
           <a:xfrm>
-            <a:off x="754380" y="233697"/>
-            <a:ext cx="6960870" cy="3719846"/>
+            <a:off x="785813" y="233697"/>
+            <a:ext cx="7250906" cy="3719846"/>
           </a:xfrm>
         </p:spPr>
         <p:txBody>
@@ -973,7 +983,7 @@
             <a:pPr lvl="0"/>
             <a:r>
               <a:rPr lang="en-US"/>
-              <a:t>Click to edit Master text styles</a:t>
+              <a:t>Edit Master text styles</a:t>
             </a:r>
           </a:p>
           <a:p>
@@ -1024,7 +1034,7 @@
           <a:p>
             <a:fld id="{08E3737C-EF3D-7749-A384-D09AC4EB8811}" type="datetimeFigureOut">
               <a:rPr lang="en-US" smtClean="0"/>
-              <a:t>6/11/23</a:t>
+              <a:t>6/30/2023</a:t>
             </a:fld>
             <a:endParaRPr lang="en-US"/>
           </a:p>
@@ -1075,7 +1085,7 @@
     </p:spTree>
     <p:extLst>
       <p:ext uri="{BB962C8B-B14F-4D97-AF65-F5344CB8AC3E}">
-        <p14:creationId xmlns:p14="http://schemas.microsoft.com/office/powerpoint/2010/main" val="1552047934"/>
+        <p14:creationId xmlns:p14="http://schemas.microsoft.com/office/powerpoint/2010/main" val="3829349215"/>
       </p:ext>
     </p:extLst>
   </p:cSld>
@@ -1143,7 +1153,7 @@
             <a:pPr lvl="0"/>
             <a:r>
               <a:rPr lang="en-US"/>
-              <a:t>Click to edit Master text styles</a:t>
+              <a:t>Edit Master text styles</a:t>
             </a:r>
           </a:p>
           <a:p>
@@ -1194,7 +1204,7 @@
           <a:p>
             <a:fld id="{08E3737C-EF3D-7749-A384-D09AC4EB8811}" type="datetimeFigureOut">
               <a:rPr lang="en-US" smtClean="0"/>
-              <a:t>6/11/23</a:t>
+              <a:t>6/30/2023</a:t>
             </a:fld>
             <a:endParaRPr lang="en-US"/>
           </a:p>
@@ -1245,7 +1255,7 @@
     </p:spTree>
     <p:extLst>
       <p:ext uri="{BB962C8B-B14F-4D97-AF65-F5344CB8AC3E}">
-        <p14:creationId xmlns:p14="http://schemas.microsoft.com/office/powerpoint/2010/main" val="1608077588"/>
+        <p14:creationId xmlns:p14="http://schemas.microsoft.com/office/powerpoint/2010/main" val="380662678"/>
       </p:ext>
     </p:extLst>
   </p:cSld>
@@ -1284,8 +1294,8 @@
         </p:nvSpPr>
         <p:spPr>
           <a:xfrm>
-            <a:off x="748665" y="1094312"/>
-            <a:ext cx="9464040" cy="1825884"/>
+            <a:off x="779859" y="1094312"/>
+            <a:ext cx="9858375" cy="1825884"/>
           </a:xfrm>
         </p:spPr>
         <p:txBody>
@@ -1316,8 +1326,8 @@
         </p:nvSpPr>
         <p:spPr>
           <a:xfrm>
-            <a:off x="748665" y="2937470"/>
-            <a:ext cx="9464040" cy="960189"/>
+            <a:off x="779859" y="2937470"/>
+            <a:ext cx="9858375" cy="960189"/>
           </a:xfrm>
         </p:spPr>
         <p:txBody>
@@ -1418,7 +1428,7 @@
             <a:pPr lvl="0"/>
             <a:r>
               <a:rPr lang="en-US"/>
-              <a:t>Click to edit Master text styles</a:t>
+              <a:t>Edit Master text styles</a:t>
             </a:r>
           </a:p>
         </p:txBody>
@@ -1440,7 +1450,7 @@
           <a:p>
             <a:fld id="{08E3737C-EF3D-7749-A384-D09AC4EB8811}" type="datetimeFigureOut">
               <a:rPr lang="en-US" smtClean="0"/>
-              <a:t>6/11/23</a:t>
+              <a:t>6/30/2023</a:t>
             </a:fld>
             <a:endParaRPr lang="en-US"/>
           </a:p>
@@ -1491,7 +1501,7 @@
     </p:spTree>
     <p:extLst>
       <p:ext uri="{BB962C8B-B14F-4D97-AF65-F5344CB8AC3E}">
-        <p14:creationId xmlns:p14="http://schemas.microsoft.com/office/powerpoint/2010/main" val="3768965538"/>
+        <p14:creationId xmlns:p14="http://schemas.microsoft.com/office/powerpoint/2010/main" val="3576504915"/>
       </p:ext>
     </p:extLst>
   </p:cSld>
@@ -1553,8 +1563,8 @@
         </p:nvSpPr>
         <p:spPr>
           <a:xfrm>
-            <a:off x="754380" y="1168485"/>
-            <a:ext cx="4663440" cy="2785058"/>
+            <a:off x="785813" y="1168485"/>
+            <a:ext cx="4857750" cy="2785058"/>
           </a:xfrm>
         </p:spPr>
         <p:txBody>
@@ -1564,7 +1574,7 @@
             <a:pPr lvl="0"/>
             <a:r>
               <a:rPr lang="en-US"/>
-              <a:t>Click to edit Master text styles</a:t>
+              <a:t>Edit Master text styles</a:t>
             </a:r>
           </a:p>
           <a:p>
@@ -1610,8 +1620,8 @@
         </p:nvSpPr>
         <p:spPr>
           <a:xfrm>
-            <a:off x="5554980" y="1168485"/>
-            <a:ext cx="4663440" cy="2785058"/>
+            <a:off x="5786438" y="1168485"/>
+            <a:ext cx="4857750" cy="2785058"/>
           </a:xfrm>
         </p:spPr>
         <p:txBody>
@@ -1621,7 +1631,7 @@
             <a:pPr lvl="0"/>
             <a:r>
               <a:rPr lang="en-US"/>
-              <a:t>Click to edit Master text styles</a:t>
+              <a:t>Edit Master text styles</a:t>
             </a:r>
           </a:p>
           <a:p>
@@ -1672,7 +1682,7 @@
           <a:p>
             <a:fld id="{08E3737C-EF3D-7749-A384-D09AC4EB8811}" type="datetimeFigureOut">
               <a:rPr lang="en-US" smtClean="0"/>
-              <a:t>6/11/23</a:t>
+              <a:t>6/30/2023</a:t>
             </a:fld>
             <a:endParaRPr lang="en-US"/>
           </a:p>
@@ -1723,7 +1733,7 @@
     </p:spTree>
     <p:extLst>
       <p:ext uri="{BB962C8B-B14F-4D97-AF65-F5344CB8AC3E}">
-        <p14:creationId xmlns:p14="http://schemas.microsoft.com/office/powerpoint/2010/main" val="1717136857"/>
+        <p14:creationId xmlns:p14="http://schemas.microsoft.com/office/powerpoint/2010/main" val="1820302569"/>
       </p:ext>
     </p:extLst>
   </p:cSld>
@@ -1762,8 +1772,8 @@
         </p:nvSpPr>
         <p:spPr>
           <a:xfrm>
-            <a:off x="755809" y="233697"/>
-            <a:ext cx="9464040" cy="848422"/>
+            <a:off x="787301" y="233697"/>
+            <a:ext cx="9858375" cy="848422"/>
           </a:xfrm>
         </p:spPr>
         <p:txBody>
@@ -1790,8 +1800,8 @@
         </p:nvSpPr>
         <p:spPr>
           <a:xfrm>
-            <a:off x="755810" y="1076022"/>
-            <a:ext cx="4642008" cy="527342"/>
+            <a:off x="787302" y="1076022"/>
+            <a:ext cx="4835425" cy="527342"/>
           </a:xfrm>
         </p:spPr>
         <p:txBody>
@@ -1838,7 +1848,7 @@
             <a:pPr lvl="0"/>
             <a:r>
               <a:rPr lang="en-US"/>
-              <a:t>Click to edit Master text styles</a:t>
+              <a:t>Edit Master text styles</a:t>
             </a:r>
           </a:p>
         </p:txBody>
@@ -1855,8 +1865,8 @@
         </p:nvSpPr>
         <p:spPr>
           <a:xfrm>
-            <a:off x="755810" y="1603364"/>
-            <a:ext cx="4642008" cy="2358307"/>
+            <a:off x="787302" y="1603364"/>
+            <a:ext cx="4835425" cy="2358307"/>
           </a:xfrm>
         </p:spPr>
         <p:txBody>
@@ -1866,7 +1876,7 @@
             <a:pPr lvl="0"/>
             <a:r>
               <a:rPr lang="en-US"/>
-              <a:t>Click to edit Master text styles</a:t>
+              <a:t>Edit Master text styles</a:t>
             </a:r>
           </a:p>
           <a:p>
@@ -1912,8 +1922,8 @@
         </p:nvSpPr>
         <p:spPr>
           <a:xfrm>
-            <a:off x="5554980" y="1076022"/>
-            <a:ext cx="4664869" cy="527342"/>
+            <a:off x="5786437" y="1076022"/>
+            <a:ext cx="4859239" cy="527342"/>
           </a:xfrm>
         </p:spPr>
         <p:txBody>
@@ -1960,7 +1970,7 @@
             <a:pPr lvl="0"/>
             <a:r>
               <a:rPr lang="en-US"/>
-              <a:t>Click to edit Master text styles</a:t>
+              <a:t>Edit Master text styles</a:t>
             </a:r>
           </a:p>
         </p:txBody>
@@ -1977,8 +1987,8 @@
         </p:nvSpPr>
         <p:spPr>
           <a:xfrm>
-            <a:off x="5554980" y="1603364"/>
-            <a:ext cx="4664869" cy="2358307"/>
+            <a:off x="5786437" y="1603364"/>
+            <a:ext cx="4859239" cy="2358307"/>
           </a:xfrm>
         </p:spPr>
         <p:txBody>
@@ -1988,7 +1998,7 @@
             <a:pPr lvl="0"/>
             <a:r>
               <a:rPr lang="en-US"/>
-              <a:t>Click to edit Master text styles</a:t>
+              <a:t>Edit Master text styles</a:t>
             </a:r>
           </a:p>
           <a:p>
@@ -2039,7 +2049,7 @@
           <a:p>
             <a:fld id="{08E3737C-EF3D-7749-A384-D09AC4EB8811}" type="datetimeFigureOut">
               <a:rPr lang="en-US" smtClean="0"/>
-              <a:t>6/11/23</a:t>
+              <a:t>6/30/2023</a:t>
             </a:fld>
             <a:endParaRPr lang="en-US"/>
           </a:p>
@@ -2090,7 +2100,7 @@
     </p:spTree>
     <p:extLst>
       <p:ext uri="{BB962C8B-B14F-4D97-AF65-F5344CB8AC3E}">
-        <p14:creationId xmlns:p14="http://schemas.microsoft.com/office/powerpoint/2010/main" val="595273961"/>
+        <p14:creationId xmlns:p14="http://schemas.microsoft.com/office/powerpoint/2010/main" val="850735463"/>
       </p:ext>
     </p:extLst>
   </p:cSld>
@@ -2157,7 +2167,7 @@
           <a:p>
             <a:fld id="{08E3737C-EF3D-7749-A384-D09AC4EB8811}" type="datetimeFigureOut">
               <a:rPr lang="en-US" smtClean="0"/>
-              <a:t>6/11/23</a:t>
+              <a:t>6/30/2023</a:t>
             </a:fld>
             <a:endParaRPr lang="en-US"/>
           </a:p>
@@ -2208,7 +2218,7 @@
     </p:spTree>
     <p:extLst>
       <p:ext uri="{BB962C8B-B14F-4D97-AF65-F5344CB8AC3E}">
-        <p14:creationId xmlns:p14="http://schemas.microsoft.com/office/powerpoint/2010/main" val="3852740098"/>
+        <p14:creationId xmlns:p14="http://schemas.microsoft.com/office/powerpoint/2010/main" val="1453759910"/>
       </p:ext>
     </p:extLst>
   </p:cSld>
@@ -2252,7 +2262,7 @@
           <a:p>
             <a:fld id="{08E3737C-EF3D-7749-A384-D09AC4EB8811}" type="datetimeFigureOut">
               <a:rPr lang="en-US" smtClean="0"/>
-              <a:t>6/11/23</a:t>
+              <a:t>6/30/2023</a:t>
             </a:fld>
             <a:endParaRPr lang="en-US"/>
           </a:p>
@@ -2303,7 +2313,7 @@
     </p:spTree>
     <p:extLst>
       <p:ext uri="{BB962C8B-B14F-4D97-AF65-F5344CB8AC3E}">
-        <p14:creationId xmlns:p14="http://schemas.microsoft.com/office/powerpoint/2010/main" val="4019773786"/>
+        <p14:creationId xmlns:p14="http://schemas.microsoft.com/office/powerpoint/2010/main" val="1705057298"/>
       </p:ext>
     </p:extLst>
   </p:cSld>
@@ -2342,8 +2352,8 @@
         </p:nvSpPr>
         <p:spPr>
           <a:xfrm>
-            <a:off x="755810" y="292629"/>
-            <a:ext cx="3539013" cy="1024202"/>
+            <a:off x="787302" y="292629"/>
+            <a:ext cx="3686472" cy="1024202"/>
           </a:xfrm>
         </p:spPr>
         <p:txBody>
@@ -2374,8 +2384,8 @@
         </p:nvSpPr>
         <p:spPr>
           <a:xfrm>
-            <a:off x="4664869" y="631998"/>
-            <a:ext cx="5554980" cy="3119346"/>
+            <a:off x="4859238" y="631998"/>
+            <a:ext cx="5786438" cy="3119346"/>
           </a:xfrm>
         </p:spPr>
         <p:txBody>
@@ -2413,7 +2423,7 @@
             <a:pPr lvl="0"/>
             <a:r>
               <a:rPr lang="en-US"/>
-              <a:t>Click to edit Master text styles</a:t>
+              <a:t>Edit Master text styles</a:t>
             </a:r>
           </a:p>
           <a:p>
@@ -2459,8 +2469,8 @@
         </p:nvSpPr>
         <p:spPr>
           <a:xfrm>
-            <a:off x="755810" y="1316831"/>
-            <a:ext cx="3539013" cy="2439593"/>
+            <a:off x="787302" y="1316831"/>
+            <a:ext cx="3686472" cy="2439593"/>
           </a:xfrm>
         </p:spPr>
         <p:txBody>
@@ -2507,7 +2517,7 @@
             <a:pPr lvl="0"/>
             <a:r>
               <a:rPr lang="en-US"/>
-              <a:t>Click to edit Master text styles</a:t>
+              <a:t>Edit Master text styles</a:t>
             </a:r>
           </a:p>
         </p:txBody>
@@ -2529,7 +2539,7 @@
           <a:p>
             <a:fld id="{08E3737C-EF3D-7749-A384-D09AC4EB8811}" type="datetimeFigureOut">
               <a:rPr lang="en-US" smtClean="0"/>
-              <a:t>6/11/23</a:t>
+              <a:t>6/30/2023</a:t>
             </a:fld>
             <a:endParaRPr lang="en-US"/>
           </a:p>
@@ -2580,7 +2590,7 @@
     </p:spTree>
     <p:extLst>
       <p:ext uri="{BB962C8B-B14F-4D97-AF65-F5344CB8AC3E}">
-        <p14:creationId xmlns:p14="http://schemas.microsoft.com/office/powerpoint/2010/main" val="650961893"/>
+        <p14:creationId xmlns:p14="http://schemas.microsoft.com/office/powerpoint/2010/main" val="2663835621"/>
       </p:ext>
     </p:extLst>
   </p:cSld>
@@ -2619,8 +2629,8 @@
         </p:nvSpPr>
         <p:spPr>
           <a:xfrm>
-            <a:off x="755810" y="292629"/>
-            <a:ext cx="3539013" cy="1024202"/>
+            <a:off x="787302" y="292629"/>
+            <a:ext cx="3686472" cy="1024202"/>
           </a:xfrm>
         </p:spPr>
         <p:txBody>
@@ -2651,8 +2661,8 @@
         </p:nvSpPr>
         <p:spPr>
           <a:xfrm>
-            <a:off x="4664869" y="631998"/>
-            <a:ext cx="5554980" cy="3119346"/>
+            <a:off x="4859238" y="631998"/>
+            <a:ext cx="5786438" cy="3119346"/>
           </a:xfrm>
         </p:spPr>
         <p:txBody>
@@ -2716,8 +2726,8 @@
         </p:nvSpPr>
         <p:spPr>
           <a:xfrm>
-            <a:off x="755810" y="1316831"/>
-            <a:ext cx="3539013" cy="2439593"/>
+            <a:off x="787302" y="1316831"/>
+            <a:ext cx="3686472" cy="2439593"/>
           </a:xfrm>
         </p:spPr>
         <p:txBody>
@@ -2764,7 +2774,7 @@
             <a:pPr lvl="0"/>
             <a:r>
               <a:rPr lang="en-US"/>
-              <a:t>Click to edit Master text styles</a:t>
+              <a:t>Edit Master text styles</a:t>
             </a:r>
           </a:p>
         </p:txBody>
@@ -2786,7 +2796,7 @@
           <a:p>
             <a:fld id="{08E3737C-EF3D-7749-A384-D09AC4EB8811}" type="datetimeFigureOut">
               <a:rPr lang="en-US" smtClean="0"/>
-              <a:t>6/11/23</a:t>
+              <a:t>6/30/2023</a:t>
             </a:fld>
             <a:endParaRPr lang="en-US"/>
           </a:p>
@@ -2837,7 +2847,7 @@
     </p:spTree>
     <p:extLst>
       <p:ext uri="{BB962C8B-B14F-4D97-AF65-F5344CB8AC3E}">
-        <p14:creationId xmlns:p14="http://schemas.microsoft.com/office/powerpoint/2010/main" val="739465355"/>
+        <p14:creationId xmlns:p14="http://schemas.microsoft.com/office/powerpoint/2010/main" val="3751750526"/>
       </p:ext>
     </p:extLst>
   </p:cSld>
@@ -2881,8 +2891,8 @@
         </p:nvSpPr>
         <p:spPr>
           <a:xfrm>
-            <a:off x="754380" y="233697"/>
-            <a:ext cx="9464040" cy="848422"/>
+            <a:off x="785813" y="233697"/>
+            <a:ext cx="9858375" cy="848422"/>
           </a:xfrm>
           <a:prstGeom prst="rect">
             <a:avLst/>
@@ -2914,8 +2924,8 @@
         </p:nvSpPr>
         <p:spPr>
           <a:xfrm>
-            <a:off x="754380" y="1168485"/>
-            <a:ext cx="9464040" cy="2785058"/>
+            <a:off x="785813" y="1168485"/>
+            <a:ext cx="9858375" cy="2785058"/>
           </a:xfrm>
           <a:prstGeom prst="rect">
             <a:avLst/>
@@ -2930,7 +2940,7 @@
             <a:pPr lvl="0"/>
             <a:r>
               <a:rPr lang="en-US"/>
-              <a:t>Click to edit Master text styles</a:t>
+              <a:t>Edit Master text styles</a:t>
             </a:r>
           </a:p>
           <a:p>
@@ -2976,8 +2986,8 @@
         </p:nvSpPr>
         <p:spPr>
           <a:xfrm>
-            <a:off x="754380" y="4068359"/>
-            <a:ext cx="2468880" cy="233697"/>
+            <a:off x="785813" y="4068359"/>
+            <a:ext cx="2571750" cy="233697"/>
           </a:xfrm>
           <a:prstGeom prst="rect">
             <a:avLst/>
@@ -2999,7 +3009,7 @@
           <a:p>
             <a:fld id="{08E3737C-EF3D-7749-A384-D09AC4EB8811}" type="datetimeFigureOut">
               <a:rPr lang="en-US" smtClean="0"/>
-              <a:t>6/11/23</a:t>
+              <a:t>6/30/2023</a:t>
             </a:fld>
             <a:endParaRPr lang="en-US"/>
           </a:p>
@@ -3017,8 +3027,8 @@
         </p:nvSpPr>
         <p:spPr>
           <a:xfrm>
-            <a:off x="3634740" y="4068359"/>
-            <a:ext cx="3703320" cy="233697"/>
+            <a:off x="3786188" y="4068359"/>
+            <a:ext cx="3857625" cy="233697"/>
           </a:xfrm>
           <a:prstGeom prst="rect">
             <a:avLst/>
@@ -3054,8 +3064,8 @@
         </p:nvSpPr>
         <p:spPr>
           <a:xfrm>
-            <a:off x="7749540" y="4068359"/>
-            <a:ext cx="2468880" cy="233697"/>
+            <a:off x="8072438" y="4068359"/>
+            <a:ext cx="2571750" cy="233697"/>
           </a:xfrm>
           <a:prstGeom prst="rect">
             <a:avLst/>
@@ -3086,23 +3096,23 @@
     </p:spTree>
     <p:extLst>
       <p:ext uri="{BB962C8B-B14F-4D97-AF65-F5344CB8AC3E}">
-        <p14:creationId xmlns:p14="http://schemas.microsoft.com/office/powerpoint/2010/main" val="1548845550"/>
+        <p14:creationId xmlns:p14="http://schemas.microsoft.com/office/powerpoint/2010/main" val="1929680650"/>
       </p:ext>
     </p:extLst>
   </p:cSld>
   <p:clrMap bg1="lt1" tx1="dk1" bg2="lt2" tx2="dk2" accent1="accent1" accent2="accent2" accent3="accent3" accent4="accent4" accent5="accent5" accent6="accent6" hlink="hlink" folHlink="folHlink"/>
   <p:sldLayoutIdLst>
-    <p:sldLayoutId id="2147483661" r:id="rId1"/>
-    <p:sldLayoutId id="2147483662" r:id="rId2"/>
-    <p:sldLayoutId id="2147483663" r:id="rId3"/>
-    <p:sldLayoutId id="2147483664" r:id="rId4"/>
-    <p:sldLayoutId id="2147483665" r:id="rId5"/>
-    <p:sldLayoutId id="2147483666" r:id="rId6"/>
-    <p:sldLayoutId id="2147483667" r:id="rId7"/>
-    <p:sldLayoutId id="2147483668" r:id="rId8"/>
-    <p:sldLayoutId id="2147483669" r:id="rId9"/>
-    <p:sldLayoutId id="2147483670" r:id="rId10"/>
-    <p:sldLayoutId id="2147483671" r:id="rId11"/>
+    <p:sldLayoutId id="2147483685" r:id="rId1"/>
+    <p:sldLayoutId id="2147483686" r:id="rId2"/>
+    <p:sldLayoutId id="2147483687" r:id="rId3"/>
+    <p:sldLayoutId id="2147483688" r:id="rId4"/>
+    <p:sldLayoutId id="2147483689" r:id="rId5"/>
+    <p:sldLayoutId id="2147483690" r:id="rId6"/>
+    <p:sldLayoutId id="2147483691" r:id="rId7"/>
+    <p:sldLayoutId id="2147483692" r:id="rId8"/>
+    <p:sldLayoutId id="2147483693" r:id="rId9"/>
+    <p:sldLayoutId id="2147483694" r:id="rId10"/>
+    <p:sldLayoutId id="2147483695" r:id="rId11"/>
   </p:sldLayoutIdLst>
   <p:txStyles>
     <p:titleStyle>
@@ -3406,10 +3416,10 @@
       </p:grpSpPr>
       <p:pic>
         <p:nvPicPr>
-          <p:cNvPr id="11" name="Picture 10" descr="A picture containing text, line, plot, diagram&#10;&#10;Description automatically generated">
+          <p:cNvPr id="7" name="Picture 6">
             <a:extLst>
               <a:ext uri="{FF2B5EF4-FFF2-40B4-BE49-F238E27FC236}">
-                <a16:creationId xmlns:a16="http://schemas.microsoft.com/office/drawing/2014/main" id="{86B81507-79C7-90F2-9DF5-C36AE2DAB645}"/>
+                <a16:creationId xmlns:a16="http://schemas.microsoft.com/office/drawing/2014/main" id="{20D3202B-7607-4B4D-970B-4FBB6A2FB25E}"/>
               </a:ext>
             </a:extLst>
           </p:cNvPr>
@@ -3418,27 +3428,63 @@
           </p:cNvPicPr>
           <p:nvPr/>
         </p:nvPicPr>
-        <p:blipFill rotWithShape="1">
+        <p:blipFill>
           <a:blip r:embed="rId3"/>
-          <a:srcRect/>
-          <a:stretch/>
+          <a:stretch>
+            <a:fillRect/>
+          </a:stretch>
         </p:blipFill>
         <p:spPr>
           <a:xfrm>
-            <a:off x="5273524" y="0"/>
-            <a:ext cx="5699276" cy="4408147"/>
+            <a:off x="5669280" y="8034"/>
+            <a:ext cx="5760720" cy="4373370"/>
           </a:xfrm>
           <a:prstGeom prst="rect">
             <a:avLst/>
           </a:prstGeom>
         </p:spPr>
       </p:pic>
+      <p:sp>
+        <p:nvSpPr>
+          <p:cNvPr id="14" name="TextBox 13">
+            <a:extLst>
+              <a:ext uri="{FF2B5EF4-FFF2-40B4-BE49-F238E27FC236}">
+                <a16:creationId xmlns:a16="http://schemas.microsoft.com/office/drawing/2014/main" id="{7A37D976-0D70-6A0E-E2EA-172781DF3901}"/>
+              </a:ext>
+            </a:extLst>
+          </p:cNvPr>
+          <p:cNvSpPr txBox="1"/>
+          <p:nvPr/>
+        </p:nvSpPr>
+        <p:spPr>
+          <a:xfrm>
+            <a:off x="6734155" y="157699"/>
+            <a:ext cx="625492" cy="559064"/>
+          </a:xfrm>
+          <a:prstGeom prst="rect">
+            <a:avLst/>
+          </a:prstGeom>
+          <a:noFill/>
+        </p:spPr>
+        <p:txBody>
+          <a:bodyPr wrap="none" rtlCol="0">
+            <a:spAutoFit/>
+          </a:bodyPr>
+          <a:lstStyle/>
+          <a:p>
+            <a:r>
+              <a:rPr lang="en-US" sz="3033" dirty="0"/>
+              <a:t>(b)</a:t>
+            </a:r>
+          </a:p>
+        </p:txBody>
+      </p:sp>
       <p:pic>
         <p:nvPicPr>
-          <p:cNvPr id="17" name="Picture 16" descr="A picture containing plot, line, diagram, text&#10;&#10;Description automatically generated">
+          <p:cNvPr id="9" name="Picture 8">
             <a:extLst>
               <a:ext uri="{FF2B5EF4-FFF2-40B4-BE49-F238E27FC236}">
-                <a16:creationId xmlns:a16="http://schemas.microsoft.com/office/drawing/2014/main" id="{754CA2D7-3AB9-DF8E-8A77-D45ED34F5424}"/>
+                <a16:creationId xmlns:a16="http://schemas.microsoft.com/office/drawing/2014/main" id="{B74F1498-4408-4FE7-B653-A351B85BA8A7}"/>
               </a:ext>
             </a:extLst>
           </p:cNvPr>
@@ -3449,54 +3495,19 @@
         </p:nvPicPr>
         <p:blipFill rotWithShape="1">
           <a:blip r:embed="rId4"/>
-          <a:srcRect t="10544" r="6600"/>
+          <a:srcRect r="4218"/>
           <a:stretch/>
         </p:blipFill>
         <p:spPr>
           <a:xfrm>
-            <a:off x="1" y="63501"/>
-            <a:ext cx="5378212" cy="4292600"/>
+            <a:off x="0" y="6571"/>
+            <a:ext cx="5588912" cy="4376296"/>
           </a:xfrm>
           <a:prstGeom prst="rect">
             <a:avLst/>
           </a:prstGeom>
         </p:spPr>
       </p:pic>
-      <p:sp>
-        <p:nvSpPr>
-          <p:cNvPr id="14" name="TextBox 13">
-            <a:extLst>
-              <a:ext uri="{FF2B5EF4-FFF2-40B4-BE49-F238E27FC236}">
-                <a16:creationId xmlns:a16="http://schemas.microsoft.com/office/drawing/2014/main" id="{7A37D976-0D70-6A0E-E2EA-172781DF3901}"/>
-              </a:ext>
-            </a:extLst>
-          </p:cNvPr>
-          <p:cNvSpPr txBox="1"/>
-          <p:nvPr/>
-        </p:nvSpPr>
-        <p:spPr>
-          <a:xfrm>
-            <a:off x="6237405" y="200979"/>
-            <a:ext cx="591829" cy="523220"/>
-          </a:xfrm>
-          <a:prstGeom prst="rect">
-            <a:avLst/>
-          </a:prstGeom>
-          <a:noFill/>
-        </p:spPr>
-        <p:txBody>
-          <a:bodyPr wrap="none" rtlCol="0">
-            <a:spAutoFit/>
-          </a:bodyPr>
-          <a:lstStyle/>
-          <a:p>
-            <a:r>
-              <a:rPr lang="en-US" sz="2800" dirty="0"/>
-              <a:t>(b)</a:t>
-            </a:r>
-          </a:p>
-        </p:txBody>
-      </p:sp>
       <p:sp>
         <p:nvSpPr>
           <p:cNvPr id="15" name="TextBox 14">
@@ -3511,8 +3522,8 @@
         </p:nvSpPr>
         <p:spPr>
           <a:xfrm>
-            <a:off x="736401" y="106990"/>
-            <a:ext cx="574196" cy="523220"/>
+            <a:off x="828485" y="127399"/>
+            <a:ext cx="607859" cy="559064"/>
           </a:xfrm>
           <a:prstGeom prst="rect">
             <a:avLst/>
@@ -3526,7 +3537,7 @@
           <a:lstStyle/>
           <a:p>
             <a:r>
-              <a:rPr lang="en-US" sz="2800" dirty="0"/>
+              <a:rPr lang="en-US" sz="3033" dirty="0"/>
               <a:t>(a)</a:t>
             </a:r>
           </a:p>
@@ -3800,7 +3811,7 @@
   <a:extraClrSchemeLst/>
   <a:extLst>
     <a:ext uri="{05A4C25C-085E-4340-85A3-A5531E510DB2}">
-      <thm15:themeFamily xmlns:thm15="http://schemas.microsoft.com/office/thememl/2012/main" name="Office Theme 2013 - 2022" id="{62F939B6-93AF-4DB8-9C6B-D6C7DFDC589F}" vid="{4A3C46E8-61CC-4603-A589-7422A47A8E4A}"/>
+      <thm15:themeFamily xmlns:thm15="http://schemas.microsoft.com/office/thememl/2012/main" name="Office Theme" id="{62F939B6-93AF-4DB8-9C6B-D6C7DFDC589F}" vid="{4A3C46E8-61CC-4603-A589-7422A47A8E4A}"/>
     </a:ext>
   </a:extLst>
 </a:theme>

--- a/Diagnostics/local/Linear_theory/mass25/eaw.pptx
+++ b/Diagnostics/local/Linear_theory/mass25/eaw.pptx
@@ -197,7 +197,7 @@
           <a:p>
             <a:fld id="{B5855101-A986-924B-A0D2-76E00F61DEAC}" type="datetimeFigureOut">
               <a:rPr lang="en-US" smtClean="0"/>
-              <a:t>6/30/2023</a:t>
+              <a:t>7/4/2023</a:t>
             </a:fld>
             <a:endParaRPr lang="en-US"/>
           </a:p>
@@ -684,7 +684,7 @@
           <a:p>
             <a:fld id="{08E3737C-EF3D-7749-A384-D09AC4EB8811}" type="datetimeFigureOut">
               <a:rPr lang="en-US" smtClean="0"/>
-              <a:t>6/30/2023</a:t>
+              <a:t>7/4/2023</a:t>
             </a:fld>
             <a:endParaRPr lang="en-US"/>
           </a:p>
@@ -854,7 +854,7 @@
           <a:p>
             <a:fld id="{08E3737C-EF3D-7749-A384-D09AC4EB8811}" type="datetimeFigureOut">
               <a:rPr lang="en-US" smtClean="0"/>
-              <a:t>6/30/2023</a:t>
+              <a:t>7/4/2023</a:t>
             </a:fld>
             <a:endParaRPr lang="en-US"/>
           </a:p>
@@ -1034,7 +1034,7 @@
           <a:p>
             <a:fld id="{08E3737C-EF3D-7749-A384-D09AC4EB8811}" type="datetimeFigureOut">
               <a:rPr lang="en-US" smtClean="0"/>
-              <a:t>6/30/2023</a:t>
+              <a:t>7/4/2023</a:t>
             </a:fld>
             <a:endParaRPr lang="en-US"/>
           </a:p>
@@ -1204,7 +1204,7 @@
           <a:p>
             <a:fld id="{08E3737C-EF3D-7749-A384-D09AC4EB8811}" type="datetimeFigureOut">
               <a:rPr lang="en-US" smtClean="0"/>
-              <a:t>6/30/2023</a:t>
+              <a:t>7/4/2023</a:t>
             </a:fld>
             <a:endParaRPr lang="en-US"/>
           </a:p>
@@ -1450,7 +1450,7 @@
           <a:p>
             <a:fld id="{08E3737C-EF3D-7749-A384-D09AC4EB8811}" type="datetimeFigureOut">
               <a:rPr lang="en-US" smtClean="0"/>
-              <a:t>6/30/2023</a:t>
+              <a:t>7/4/2023</a:t>
             </a:fld>
             <a:endParaRPr lang="en-US"/>
           </a:p>
@@ -1682,7 +1682,7 @@
           <a:p>
             <a:fld id="{08E3737C-EF3D-7749-A384-D09AC4EB8811}" type="datetimeFigureOut">
               <a:rPr lang="en-US" smtClean="0"/>
-              <a:t>6/30/2023</a:t>
+              <a:t>7/4/2023</a:t>
             </a:fld>
             <a:endParaRPr lang="en-US"/>
           </a:p>
@@ -2049,7 +2049,7 @@
           <a:p>
             <a:fld id="{08E3737C-EF3D-7749-A384-D09AC4EB8811}" type="datetimeFigureOut">
               <a:rPr lang="en-US" smtClean="0"/>
-              <a:t>6/30/2023</a:t>
+              <a:t>7/4/2023</a:t>
             </a:fld>
             <a:endParaRPr lang="en-US"/>
           </a:p>
@@ -2167,7 +2167,7 @@
           <a:p>
             <a:fld id="{08E3737C-EF3D-7749-A384-D09AC4EB8811}" type="datetimeFigureOut">
               <a:rPr lang="en-US" smtClean="0"/>
-              <a:t>6/30/2023</a:t>
+              <a:t>7/4/2023</a:t>
             </a:fld>
             <a:endParaRPr lang="en-US"/>
           </a:p>
@@ -2262,7 +2262,7 @@
           <a:p>
             <a:fld id="{08E3737C-EF3D-7749-A384-D09AC4EB8811}" type="datetimeFigureOut">
               <a:rPr lang="en-US" smtClean="0"/>
-              <a:t>6/30/2023</a:t>
+              <a:t>7/4/2023</a:t>
             </a:fld>
             <a:endParaRPr lang="en-US"/>
           </a:p>
@@ -2539,7 +2539,7 @@
           <a:p>
             <a:fld id="{08E3737C-EF3D-7749-A384-D09AC4EB8811}" type="datetimeFigureOut">
               <a:rPr lang="en-US" smtClean="0"/>
-              <a:t>6/30/2023</a:t>
+              <a:t>7/4/2023</a:t>
             </a:fld>
             <a:endParaRPr lang="en-US"/>
           </a:p>
@@ -2796,7 +2796,7 @@
           <a:p>
             <a:fld id="{08E3737C-EF3D-7749-A384-D09AC4EB8811}" type="datetimeFigureOut">
               <a:rPr lang="en-US" smtClean="0"/>
-              <a:t>6/30/2023</a:t>
+              <a:t>7/4/2023</a:t>
             </a:fld>
             <a:endParaRPr lang="en-US"/>
           </a:p>
@@ -3009,7 +3009,7 @@
           <a:p>
             <a:fld id="{08E3737C-EF3D-7749-A384-D09AC4EB8811}" type="datetimeFigureOut">
               <a:rPr lang="en-US" smtClean="0"/>
-              <a:t>6/30/2023</a:t>
+              <a:t>7/4/2023</a:t>
             </a:fld>
             <a:endParaRPr lang="en-US"/>
           </a:p>
@@ -3416,10 +3416,10 @@
       </p:grpSpPr>
       <p:pic>
         <p:nvPicPr>
-          <p:cNvPr id="7" name="Picture 6">
+          <p:cNvPr id="3" name="Picture 2">
             <a:extLst>
               <a:ext uri="{FF2B5EF4-FFF2-40B4-BE49-F238E27FC236}">
-                <a16:creationId xmlns:a16="http://schemas.microsoft.com/office/drawing/2014/main" id="{20D3202B-7607-4B4D-970B-4FBB6A2FB25E}"/>
+                <a16:creationId xmlns:a16="http://schemas.microsoft.com/office/drawing/2014/main" id="{78154780-86F6-4347-9A46-5E02C9CD1910}"/>
               </a:ext>
             </a:extLst>
           </p:cNvPr>
@@ -3436,8 +3436,8 @@
         </p:blipFill>
         <p:spPr>
           <a:xfrm>
-            <a:off x="5669280" y="8034"/>
-            <a:ext cx="5760720" cy="4373370"/>
+            <a:off x="5502412" y="6571"/>
+            <a:ext cx="5852584" cy="4389438"/>
           </a:xfrm>
           <a:prstGeom prst="rect">
             <a:avLst/>
